--- a/Chain of Responsibility.pptx
+++ b/Chain of Responsibility.pptx
@@ -109,7 +109,24 @@
       </a:defRPr>
     </a:lvl9pPr>
   </p:defaultTextStyle>
+  <p:extLst>
+    <p:ext uri="{EFAFB233-063F-42B5-8137-9DF3F51BA10A}">
+      <p15:sldGuideLst xmlns:p15="http://schemas.microsoft.com/office/powerpoint/2012/main"/>
+    </p:ext>
+  </p:extLst>
 </p:presentation>
+</file>
+
+<file path=ppt/commentAuthors.xml><?xml version="1.0" encoding="utf-8"?>
+<p:cmAuthorLst xmlns:a="http://schemas.openxmlformats.org/drawingml/2006/main" xmlns:r="http://schemas.openxmlformats.org/officeDocument/2006/relationships" xmlns:p="http://schemas.openxmlformats.org/presentationml/2006/main">
+  <p:cmAuthor id="1" name="Mathias Thomassen" initials="MT" lastIdx="1" clrIdx="0">
+    <p:extLst>
+      <p:ext uri="{19B8F6BF-5375-455C-9EA6-DF929625EA0E}">
+        <p15:presenceInfo xmlns:p15="http://schemas.microsoft.com/office/powerpoint/2012/main" userId="816551f4347a7810" providerId="Windows Live"/>
+      </p:ext>
+    </p:extLst>
+  </p:cmAuthor>
+</p:cmAuthorLst>
 </file>
 
 <file path=ppt/diagrams/colors1.xml><?xml version="1.0" encoding="utf-8"?>
@@ -3361,7 +3378,7 @@
           <a:p>
             <a:fld id="{BEC8D9E6-1E83-43CD-B265-46E76B7560D5}" type="datetimeFigureOut">
               <a:rPr lang="da-DK" smtClean="0"/>
-              <a:t>12-04-2019</a:t>
+              <a:t>17-04-2019</a:t>
             </a:fld>
             <a:endParaRPr lang="da-DK"/>
           </a:p>
@@ -3531,7 +3548,7 @@
           <a:p>
             <a:fld id="{BEC8D9E6-1E83-43CD-B265-46E76B7560D5}" type="datetimeFigureOut">
               <a:rPr lang="da-DK" smtClean="0"/>
-              <a:t>12-04-2019</a:t>
+              <a:t>17-04-2019</a:t>
             </a:fld>
             <a:endParaRPr lang="da-DK"/>
           </a:p>
@@ -3711,7 +3728,7 @@
           <a:p>
             <a:fld id="{BEC8D9E6-1E83-43CD-B265-46E76B7560D5}" type="datetimeFigureOut">
               <a:rPr lang="da-DK" smtClean="0"/>
-              <a:t>12-04-2019</a:t>
+              <a:t>17-04-2019</a:t>
             </a:fld>
             <a:endParaRPr lang="da-DK"/>
           </a:p>
@@ -3881,7 +3898,7 @@
           <a:p>
             <a:fld id="{BEC8D9E6-1E83-43CD-B265-46E76B7560D5}" type="datetimeFigureOut">
               <a:rPr lang="da-DK" smtClean="0"/>
-              <a:t>12-04-2019</a:t>
+              <a:t>17-04-2019</a:t>
             </a:fld>
             <a:endParaRPr lang="da-DK"/>
           </a:p>
@@ -4127,7 +4144,7 @@
           <a:p>
             <a:fld id="{BEC8D9E6-1E83-43CD-B265-46E76B7560D5}" type="datetimeFigureOut">
               <a:rPr lang="da-DK" smtClean="0"/>
-              <a:t>12-04-2019</a:t>
+              <a:t>17-04-2019</a:t>
             </a:fld>
             <a:endParaRPr lang="da-DK"/>
           </a:p>
@@ -4359,7 +4376,7 @@
           <a:p>
             <a:fld id="{BEC8D9E6-1E83-43CD-B265-46E76B7560D5}" type="datetimeFigureOut">
               <a:rPr lang="da-DK" smtClean="0"/>
-              <a:t>12-04-2019</a:t>
+              <a:t>17-04-2019</a:t>
             </a:fld>
             <a:endParaRPr lang="da-DK"/>
           </a:p>
@@ -4726,7 +4743,7 @@
           <a:p>
             <a:fld id="{BEC8D9E6-1E83-43CD-B265-46E76B7560D5}" type="datetimeFigureOut">
               <a:rPr lang="da-DK" smtClean="0"/>
-              <a:t>12-04-2019</a:t>
+              <a:t>17-04-2019</a:t>
             </a:fld>
             <a:endParaRPr lang="da-DK"/>
           </a:p>
@@ -4844,7 +4861,7 @@
           <a:p>
             <a:fld id="{BEC8D9E6-1E83-43CD-B265-46E76B7560D5}" type="datetimeFigureOut">
               <a:rPr lang="da-DK" smtClean="0"/>
-              <a:t>12-04-2019</a:t>
+              <a:t>17-04-2019</a:t>
             </a:fld>
             <a:endParaRPr lang="da-DK"/>
           </a:p>
@@ -4939,7 +4956,7 @@
           <a:p>
             <a:fld id="{BEC8D9E6-1E83-43CD-B265-46E76B7560D5}" type="datetimeFigureOut">
               <a:rPr lang="da-DK" smtClean="0"/>
-              <a:t>12-04-2019</a:t>
+              <a:t>17-04-2019</a:t>
             </a:fld>
             <a:endParaRPr lang="da-DK"/>
           </a:p>
@@ -5216,7 +5233,7 @@
           <a:p>
             <a:fld id="{BEC8D9E6-1E83-43CD-B265-46E76B7560D5}" type="datetimeFigureOut">
               <a:rPr lang="da-DK" smtClean="0"/>
-              <a:t>12-04-2019</a:t>
+              <a:t>17-04-2019</a:t>
             </a:fld>
             <a:endParaRPr lang="da-DK"/>
           </a:p>
@@ -5473,7 +5490,7 @@
           <a:p>
             <a:fld id="{BEC8D9E6-1E83-43CD-B265-46E76B7560D5}" type="datetimeFigureOut">
               <a:rPr lang="da-DK" smtClean="0"/>
-              <a:t>12-04-2019</a:t>
+              <a:t>17-04-2019</a:t>
             </a:fld>
             <a:endParaRPr lang="da-DK"/>
           </a:p>
@@ -5686,7 +5703,7 @@
           <a:p>
             <a:fld id="{BEC8D9E6-1E83-43CD-B265-46E76B7560D5}" type="datetimeFigureOut">
               <a:rPr lang="da-DK" smtClean="0"/>
-              <a:t>12-04-2019</a:t>
+              <a:t>17-04-2019</a:t>
             </a:fld>
             <a:endParaRPr lang="da-DK"/>
           </a:p>
@@ -6545,7 +6562,7 @@
         </p:nvSpPr>
         <p:spPr>
           <a:xfrm>
-            <a:off x="838200" y="2173288"/>
+            <a:off x="838200" y="2355282"/>
             <a:ext cx="3603171" cy="3639684"/>
           </a:xfrm>
         </p:spPr>
@@ -6718,6 +6735,44 @@
           <a:noFill/>
         </p:spPr>
       </p:pic>
+      <p:sp>
+        <p:nvSpPr>
+          <p:cNvPr id="4" name="Tekstfelt 3">
+            <a:extLst>
+              <a:ext uri="{FF2B5EF4-FFF2-40B4-BE49-F238E27FC236}">
+                <a16:creationId xmlns:a16="http://schemas.microsoft.com/office/drawing/2014/main" id="{AE0E2996-4B49-4FD3-9DC3-CBC88A54217B}"/>
+              </a:ext>
+            </a:extLst>
+          </p:cNvPr>
+          <p:cNvSpPr txBox="1"/>
+          <p:nvPr/>
+        </p:nvSpPr>
+        <p:spPr>
+          <a:xfrm>
+            <a:off x="6819405" y="5790971"/>
+            <a:ext cx="3509294" cy="246221"/>
+          </a:xfrm>
+          <a:prstGeom prst="rect">
+            <a:avLst/>
+          </a:prstGeom>
+          <a:noFill/>
+        </p:spPr>
+        <p:txBody>
+          <a:bodyPr wrap="none" rtlCol="0">
+            <a:spAutoFit/>
+          </a:bodyPr>
+          <a:lstStyle/>
+          <a:p>
+            <a:r>
+              <a:rPr lang="da-DK" sz="1000" dirty="0">
+                <a:hlinkClick r:id="rId3"/>
+              </a:rPr>
+              <a:t>https://refactoring.guru/design-patterns/chain-of-responsibility</a:t>
+            </a:r>
+            <a:endParaRPr lang="da-DK" sz="1000" dirty="0"/>
+          </a:p>
+        </p:txBody>
+      </p:sp>
     </p:spTree>
     <p:extLst>
       <p:ext uri="{BB962C8B-B14F-4D97-AF65-F5344CB8AC3E}">
@@ -7071,7 +7126,7 @@
         </p:blipFill>
         <p:spPr>
           <a:xfrm>
-            <a:off x="6937108" y="585273"/>
+            <a:off x="5297763" y="643467"/>
             <a:ext cx="3287159" cy="5720011"/>
           </a:xfrm>
           <a:prstGeom prst="rect">
@@ -7079,6 +7134,74 @@
           </a:prstGeom>
         </p:spPr>
       </p:pic>
+      <p:pic>
+        <p:nvPicPr>
+          <p:cNvPr id="2" name="Billede 1">
+            <a:extLst>
+              <a:ext uri="{FF2B5EF4-FFF2-40B4-BE49-F238E27FC236}">
+                <a16:creationId xmlns:a16="http://schemas.microsoft.com/office/drawing/2014/main" id="{ED53401E-DC0B-44B1-8DDE-969F32E94136}"/>
+              </a:ext>
+            </a:extLst>
+          </p:cNvPr>
+          <p:cNvPicPr>
+            <a:picLocks noChangeAspect="1"/>
+          </p:cNvPicPr>
+          <p:nvPr/>
+        </p:nvPicPr>
+        <p:blipFill>
+          <a:blip r:embed="rId3"/>
+          <a:stretch>
+            <a:fillRect/>
+          </a:stretch>
+        </p:blipFill>
+        <p:spPr>
+          <a:xfrm>
+            <a:off x="8584922" y="2638044"/>
+            <a:ext cx="3463132" cy="1923962"/>
+          </a:xfrm>
+          <a:prstGeom prst="rect">
+            <a:avLst/>
+          </a:prstGeom>
+        </p:spPr>
+      </p:pic>
+      <p:sp>
+        <p:nvSpPr>
+          <p:cNvPr id="3" name="Tekstfelt 2">
+            <a:extLst>
+              <a:ext uri="{FF2B5EF4-FFF2-40B4-BE49-F238E27FC236}">
+                <a16:creationId xmlns:a16="http://schemas.microsoft.com/office/drawing/2014/main" id="{FE87B59E-1CFF-452B-8805-1A1B9B45B270}"/>
+              </a:ext>
+            </a:extLst>
+          </p:cNvPr>
+          <p:cNvSpPr txBox="1"/>
+          <p:nvPr/>
+        </p:nvSpPr>
+        <p:spPr>
+          <a:xfrm>
+            <a:off x="8469830" y="4238133"/>
+            <a:ext cx="3578224" cy="215444"/>
+          </a:xfrm>
+          <a:prstGeom prst="rect">
+            <a:avLst/>
+          </a:prstGeom>
+          <a:noFill/>
+        </p:spPr>
+        <p:txBody>
+          <a:bodyPr wrap="none" rtlCol="0">
+            <a:spAutoFit/>
+          </a:bodyPr>
+          <a:lstStyle/>
+          <a:p>
+            <a:r>
+              <a:rPr lang="da-DK" sz="800" dirty="0">
+                <a:hlinkClick r:id="rId4"/>
+              </a:rPr>
+              <a:t>https://refactoring.guru/design-patterns/chain-of-responsibility/csharp/example</a:t>
+            </a:r>
+            <a:endParaRPr lang="da-DK" sz="800" dirty="0"/>
+          </a:p>
+        </p:txBody>
+      </p:sp>
     </p:spTree>
     <p:extLst>
       <p:ext uri="{BB962C8B-B14F-4D97-AF65-F5344CB8AC3E}">
